--- a/授業資料/講義資料：Listクラス.pptx
+++ b/授業資料/講義資料：Listクラス.pptx
@@ -256,7 +256,7 @@
           <a:p>
             <a:fld id="{5B96D3F8-CD2E-4A0D-AC38-517181EABB18}" type="datetimeFigureOut">
               <a:rPr kumimoji="1" lang="ja-JP" altLang="en-US" smtClean="0"/>
-              <a:t>2024/10/1</a:t>
+              <a:t>2024/10/16</a:t>
             </a:fld>
             <a:endParaRPr kumimoji="1" lang="ja-JP" altLang="en-US"/>
           </a:p>
@@ -458,7 +458,7 @@
           <a:p>
             <a:fld id="{5B96D3F8-CD2E-4A0D-AC38-517181EABB18}" type="datetimeFigureOut">
               <a:rPr kumimoji="1" lang="ja-JP" altLang="en-US" smtClean="0"/>
-              <a:t>2024/10/1</a:t>
+              <a:t>2024/10/16</a:t>
             </a:fld>
             <a:endParaRPr kumimoji="1" lang="ja-JP" altLang="en-US"/>
           </a:p>
@@ -670,7 +670,7 @@
           <a:p>
             <a:fld id="{5B96D3F8-CD2E-4A0D-AC38-517181EABB18}" type="datetimeFigureOut">
               <a:rPr kumimoji="1" lang="ja-JP" altLang="en-US" smtClean="0"/>
-              <a:t>2024/10/1</a:t>
+              <a:t>2024/10/16</a:t>
             </a:fld>
             <a:endParaRPr kumimoji="1" lang="ja-JP" altLang="en-US"/>
           </a:p>
@@ -872,7 +872,7 @@
           <a:p>
             <a:fld id="{5B96D3F8-CD2E-4A0D-AC38-517181EABB18}" type="datetimeFigureOut">
               <a:rPr kumimoji="1" lang="ja-JP" altLang="en-US" smtClean="0"/>
-              <a:t>2024/10/1</a:t>
+              <a:t>2024/10/16</a:t>
             </a:fld>
             <a:endParaRPr kumimoji="1" lang="ja-JP" altLang="en-US"/>
           </a:p>
@@ -1118,7 +1118,7 @@
           <a:p>
             <a:fld id="{5B96D3F8-CD2E-4A0D-AC38-517181EABB18}" type="datetimeFigureOut">
               <a:rPr kumimoji="1" lang="ja-JP" altLang="en-US" smtClean="0"/>
-              <a:t>2024/10/1</a:t>
+              <a:t>2024/10/16</a:t>
             </a:fld>
             <a:endParaRPr kumimoji="1" lang="ja-JP" altLang="en-US"/>
           </a:p>
@@ -1414,7 +1414,7 @@
           <a:p>
             <a:fld id="{5B96D3F8-CD2E-4A0D-AC38-517181EABB18}" type="datetimeFigureOut">
               <a:rPr kumimoji="1" lang="ja-JP" altLang="en-US" smtClean="0"/>
-              <a:t>2024/10/1</a:t>
+              <a:t>2024/10/16</a:t>
             </a:fld>
             <a:endParaRPr kumimoji="1" lang="ja-JP" altLang="en-US"/>
           </a:p>
@@ -1845,7 +1845,7 @@
           <a:p>
             <a:fld id="{5B96D3F8-CD2E-4A0D-AC38-517181EABB18}" type="datetimeFigureOut">
               <a:rPr kumimoji="1" lang="ja-JP" altLang="en-US" smtClean="0"/>
-              <a:t>2024/10/1</a:t>
+              <a:t>2024/10/16</a:t>
             </a:fld>
             <a:endParaRPr kumimoji="1" lang="ja-JP" altLang="en-US"/>
           </a:p>
@@ -1963,7 +1963,7 @@
           <a:p>
             <a:fld id="{5B96D3F8-CD2E-4A0D-AC38-517181EABB18}" type="datetimeFigureOut">
               <a:rPr kumimoji="1" lang="ja-JP" altLang="en-US" smtClean="0"/>
-              <a:t>2024/10/1</a:t>
+              <a:t>2024/10/16</a:t>
             </a:fld>
             <a:endParaRPr kumimoji="1" lang="ja-JP" altLang="en-US"/>
           </a:p>
@@ -2058,7 +2058,7 @@
           <a:p>
             <a:fld id="{5B96D3F8-CD2E-4A0D-AC38-517181EABB18}" type="datetimeFigureOut">
               <a:rPr kumimoji="1" lang="ja-JP" altLang="en-US" smtClean="0"/>
-              <a:t>2024/10/1</a:t>
+              <a:t>2024/10/16</a:t>
             </a:fld>
             <a:endParaRPr kumimoji="1" lang="ja-JP" altLang="en-US"/>
           </a:p>
@@ -2367,7 +2367,7 @@
           <a:p>
             <a:fld id="{5B96D3F8-CD2E-4A0D-AC38-517181EABB18}" type="datetimeFigureOut">
               <a:rPr kumimoji="1" lang="ja-JP" altLang="en-US" smtClean="0"/>
-              <a:t>2024/10/1</a:t>
+              <a:t>2024/10/16</a:t>
             </a:fld>
             <a:endParaRPr kumimoji="1" lang="ja-JP" altLang="en-US"/>
           </a:p>
@@ -2624,7 +2624,7 @@
           <a:p>
             <a:fld id="{5B96D3F8-CD2E-4A0D-AC38-517181EABB18}" type="datetimeFigureOut">
               <a:rPr kumimoji="1" lang="ja-JP" altLang="en-US" smtClean="0"/>
-              <a:t>2024/10/1</a:t>
+              <a:t>2024/10/16</a:t>
             </a:fld>
             <a:endParaRPr kumimoji="1" lang="ja-JP" altLang="en-US"/>
           </a:p>
@@ -2869,7 +2869,7 @@
           <a:p>
             <a:fld id="{5B96D3F8-CD2E-4A0D-AC38-517181EABB18}" type="datetimeFigureOut">
               <a:rPr kumimoji="1" lang="ja-JP" altLang="en-US" smtClean="0"/>
-              <a:t>2024/10/1</a:t>
+              <a:t>2024/10/16</a:t>
             </a:fld>
             <a:endParaRPr kumimoji="1" lang="ja-JP" altLang="en-US"/>
           </a:p>
@@ -12000,7 +12000,12 @@
             <p:ph idx="1"/>
           </p:nvPr>
         </p:nvSpPr>
-        <p:spPr/>
+        <p:spPr>
+          <a:xfrm>
+            <a:off x="838200" y="1376038"/>
+            <a:ext cx="10515600" cy="5347491"/>
+          </a:xfrm>
+        </p:spPr>
         <p:txBody>
           <a:bodyPr>
             <a:normAutofit fontScale="92500" lnSpcReduction="10000"/>
@@ -12198,6 +12203,18 @@
             <a:r>
               <a:rPr lang="ja-JP" altLang="en-US" dirty="0"/>
               <a:t>データ列を並べ替える</a:t>
+            </a:r>
+            <a:endParaRPr lang="en-US" altLang="ja-JP" dirty="0"/>
+          </a:p>
+          <a:p>
+            <a:pPr lvl="1"/>
+            <a:r>
+              <a:rPr lang="en-US" altLang="ja-JP" dirty="0"/>
+              <a:t>reverse()	:</a:t>
+            </a:r>
+            <a:r>
+              <a:rPr lang="ja-JP" altLang="en-US" dirty="0"/>
+              <a:t>データ列を逆並びにする</a:t>
             </a:r>
             <a:endParaRPr lang="en-US" altLang="ja-JP" dirty="0"/>
           </a:p>

--- a/授業資料/講義資料：Listクラス.pptx
+++ b/授業資料/講義資料：Listクラス.pptx
@@ -12202,15 +12202,23 @@
             </a:r>
             <a:r>
               <a:rPr lang="ja-JP" altLang="en-US" dirty="0"/>
-              <a:t>データ列を並べ替える</a:t>
+              <a:t>データ列を昇順で並べ替える</a:t>
             </a:r>
             <a:endParaRPr lang="en-US" altLang="ja-JP" dirty="0"/>
           </a:p>
           <a:p>
             <a:pPr lvl="1"/>
             <a:r>
+              <a:rPr lang="en-US" altLang="ja-JP" dirty="0">
+                <a:solidFill>
+                  <a:srgbClr val="FF0000"/>
+                </a:solidFill>
+              </a:rPr>
+              <a:t>reverse()</a:t>
+            </a:r>
+            <a:r>
               <a:rPr lang="en-US" altLang="ja-JP" dirty="0"/>
-              <a:t>reverse()	:</a:t>
+              <a:t>	:</a:t>
             </a:r>
             <a:r>
               <a:rPr lang="ja-JP" altLang="en-US" dirty="0"/>

--- a/授業資料/講義資料：Listクラス.pptx
+++ b/授業資料/講義資料：Listクラス.pptx
@@ -9164,6 +9164,80 @@
           </a:p>
         </p:txBody>
       </p:sp>
+      <p:sp>
+        <p:nvSpPr>
+          <p:cNvPr id="24" name="テキスト ボックス 23">
+            <a:extLst>
+              <a:ext uri="{FF2B5EF4-FFF2-40B4-BE49-F238E27FC236}">
+                <a16:creationId xmlns:a16="http://schemas.microsoft.com/office/drawing/2014/main" id="{F51F2964-84C9-4B85-B77B-897EB384F097}"/>
+              </a:ext>
+            </a:extLst>
+          </p:cNvPr>
+          <p:cNvSpPr txBox="1"/>
+          <p:nvPr/>
+        </p:nvSpPr>
+        <p:spPr>
+          <a:xfrm>
+            <a:off x="4551130" y="550087"/>
+            <a:ext cx="7138765" cy="830997"/>
+          </a:xfrm>
+          <a:prstGeom prst="rect">
+            <a:avLst/>
+          </a:prstGeom>
+          <a:noFill/>
+        </p:spPr>
+        <p:txBody>
+          <a:bodyPr wrap="square" rtlCol="0">
+            <a:spAutoFit/>
+          </a:bodyPr>
+          <a:lstStyle/>
+          <a:p>
+            <a:r>
+              <a:rPr kumimoji="1" lang="ja-JP" altLang="en-US" sz="2400" dirty="0"/>
+              <a:t>データの並び</a:t>
+            </a:r>
+            <a:endParaRPr kumimoji="1" lang="en-US" altLang="ja-JP" sz="2400" dirty="0"/>
+          </a:p>
+          <a:p>
+            <a:r>
+              <a:rPr kumimoji="1" lang="en-US" altLang="ja-JP" sz="2400" dirty="0"/>
+              <a:t>3000 </a:t>
+            </a:r>
+            <a:r>
+              <a:rPr kumimoji="1" lang="ja-JP" altLang="en-US" sz="2400" dirty="0"/>
+              <a:t>→　</a:t>
+            </a:r>
+            <a:r>
+              <a:rPr kumimoji="1" lang="en-US" altLang="ja-JP" sz="2400" dirty="0"/>
+              <a:t>1500 </a:t>
+            </a:r>
+            <a:r>
+              <a:rPr kumimoji="1" lang="ja-JP" altLang="en-US" sz="2400" dirty="0"/>
+              <a:t>→　</a:t>
+            </a:r>
+            <a:r>
+              <a:rPr kumimoji="1" lang="en-US" altLang="ja-JP" sz="2400" dirty="0"/>
+              <a:t>5300 </a:t>
+            </a:r>
+            <a:r>
+              <a:rPr kumimoji="1" lang="ja-JP" altLang="en-US" sz="2400" dirty="0"/>
+              <a:t>→　</a:t>
+            </a:r>
+            <a:r>
+              <a:rPr kumimoji="1" lang="en-US" altLang="ja-JP" sz="2400" dirty="0"/>
+              <a:t>2000 </a:t>
+            </a:r>
+            <a:r>
+              <a:rPr kumimoji="1" lang="ja-JP" altLang="en-US" sz="2400" dirty="0"/>
+              <a:t>→　</a:t>
+            </a:r>
+            <a:r>
+              <a:rPr kumimoji="1" lang="en-US" altLang="ja-JP" sz="2400" dirty="0"/>
+              <a:t>4000</a:t>
+            </a:r>
+          </a:p>
+        </p:txBody>
+      </p:sp>
     </p:spTree>
     <p:extLst>
       <p:ext uri="{BB962C8B-B14F-4D97-AF65-F5344CB8AC3E}">
@@ -10564,6 +10638,83 @@
           </a:p>
         </p:txBody>
       </p:sp>
+      <p:sp>
+        <p:nvSpPr>
+          <p:cNvPr id="29" name="テキスト ボックス 28">
+            <a:extLst>
+              <a:ext uri="{FF2B5EF4-FFF2-40B4-BE49-F238E27FC236}">
+                <a16:creationId xmlns:a16="http://schemas.microsoft.com/office/drawing/2014/main" id="{65D928BA-0510-4E27-BFC0-9A06EA954B52}"/>
+              </a:ext>
+            </a:extLst>
+          </p:cNvPr>
+          <p:cNvSpPr txBox="1"/>
+          <p:nvPr/>
+        </p:nvSpPr>
+        <p:spPr>
+          <a:xfrm>
+            <a:off x="4551130" y="450092"/>
+            <a:ext cx="7138765" cy="830997"/>
+          </a:xfrm>
+          <a:prstGeom prst="rect">
+            <a:avLst/>
+          </a:prstGeom>
+          <a:noFill/>
+        </p:spPr>
+        <p:txBody>
+          <a:bodyPr wrap="square" rtlCol="0">
+            <a:spAutoFit/>
+          </a:bodyPr>
+          <a:lstStyle/>
+          <a:p>
+            <a:r>
+              <a:rPr kumimoji="1" lang="ja-JP" altLang="en-US" sz="2400" dirty="0"/>
+              <a:t>データの並び </a:t>
+            </a:r>
+            <a:r>
+              <a:rPr kumimoji="1" lang="en-US" altLang="ja-JP" sz="2400" dirty="0"/>
+              <a:t>sort()</a:t>
+            </a:r>
+          </a:p>
+          <a:p>
+            <a:r>
+              <a:rPr kumimoji="1" lang="en-US" altLang="ja-JP" sz="2400" dirty="0"/>
+              <a:t>1500 </a:t>
+            </a:r>
+            <a:r>
+              <a:rPr kumimoji="1" lang="ja-JP" altLang="en-US" sz="2400" dirty="0"/>
+              <a:t>→　</a:t>
+            </a:r>
+            <a:r>
+              <a:rPr kumimoji="1" lang="en-US" altLang="ja-JP" sz="2400" dirty="0"/>
+              <a:t>2000 </a:t>
+            </a:r>
+            <a:r>
+              <a:rPr kumimoji="1" lang="ja-JP" altLang="en-US" sz="2400" dirty="0"/>
+              <a:t>→　</a:t>
+            </a:r>
+            <a:r>
+              <a:rPr kumimoji="1" lang="en-US" altLang="ja-JP" sz="2400" dirty="0"/>
+              <a:t>3000 </a:t>
+            </a:r>
+            <a:r>
+              <a:rPr kumimoji="1" lang="ja-JP" altLang="en-US" sz="2400" dirty="0"/>
+              <a:t>→　</a:t>
+            </a:r>
+            <a:r>
+              <a:rPr kumimoji="1" lang="en-US" altLang="ja-JP" sz="2400" dirty="0"/>
+              <a:t>4000 </a:t>
+            </a:r>
+            <a:r>
+              <a:rPr kumimoji="1" lang="ja-JP" altLang="en-US" sz="2400" dirty="0"/>
+              <a:t>→　</a:t>
+            </a:r>
+            <a:r>
+              <a:rPr kumimoji="1" lang="en-US" altLang="ja-JP" sz="2400" dirty="0"/>
+              <a:t>5300</a:t>
+            </a:r>
+          </a:p>
+        </p:txBody>
+      </p:sp>
     </p:spTree>
     <p:extLst>
       <p:ext uri="{BB962C8B-B14F-4D97-AF65-F5344CB8AC3E}">
@@ -11875,7 +12026,7 @@
         </p:nvSpPr>
         <p:spPr>
           <a:xfrm>
-            <a:off x="8203660" y="669343"/>
+            <a:off x="8985625" y="1257925"/>
             <a:ext cx="3097323" cy="1200329"/>
           </a:xfrm>
           <a:prstGeom prst="rect">
@@ -11918,6 +12069,75 @@
             <a:r>
               <a:rPr kumimoji="1" lang="ja-JP" altLang="en-US" sz="2400" dirty="0"/>
               <a:t>行われる</a:t>
+            </a:r>
+          </a:p>
+        </p:txBody>
+      </p:sp>
+      <p:sp>
+        <p:nvSpPr>
+          <p:cNvPr id="29" name="テキスト ボックス 28">
+            <a:extLst>
+              <a:ext uri="{FF2B5EF4-FFF2-40B4-BE49-F238E27FC236}">
+                <a16:creationId xmlns:a16="http://schemas.microsoft.com/office/drawing/2014/main" id="{168A5735-D4C2-4C0A-B8D0-9B483BAEA5F9}"/>
+              </a:ext>
+            </a:extLst>
+          </p:cNvPr>
+          <p:cNvSpPr txBox="1"/>
+          <p:nvPr/>
+        </p:nvSpPr>
+        <p:spPr>
+          <a:xfrm>
+            <a:off x="4551130" y="450092"/>
+            <a:ext cx="7138765" cy="830997"/>
+          </a:xfrm>
+          <a:prstGeom prst="rect">
+            <a:avLst/>
+          </a:prstGeom>
+          <a:noFill/>
+        </p:spPr>
+        <p:txBody>
+          <a:bodyPr wrap="square" rtlCol="0">
+            <a:spAutoFit/>
+          </a:bodyPr>
+          <a:lstStyle/>
+          <a:p>
+            <a:r>
+              <a:rPr kumimoji="1" lang="ja-JP" altLang="en-US" sz="2400" dirty="0"/>
+              <a:t>データの並び　</a:t>
+            </a:r>
+            <a:r>
+              <a:rPr kumimoji="1" lang="en-US" altLang="ja-JP" sz="2400" dirty="0"/>
+              <a:t>remove(2000)</a:t>
+            </a:r>
+          </a:p>
+          <a:p>
+            <a:r>
+              <a:rPr kumimoji="1" lang="en-US" altLang="ja-JP" sz="2400" dirty="0"/>
+              <a:t>1500 </a:t>
+            </a:r>
+            <a:r>
+              <a:rPr kumimoji="1" lang="ja-JP" altLang="en-US" sz="2400" dirty="0"/>
+              <a:t>→　</a:t>
+            </a:r>
+            <a:r>
+              <a:rPr kumimoji="1" lang="en-US" altLang="ja-JP" sz="2400" dirty="0"/>
+              <a:t>3000 </a:t>
+            </a:r>
+            <a:r>
+              <a:rPr kumimoji="1" lang="ja-JP" altLang="en-US" sz="2400" dirty="0"/>
+              <a:t>→　</a:t>
+            </a:r>
+            <a:r>
+              <a:rPr kumimoji="1" lang="en-US" altLang="ja-JP" sz="2400" dirty="0"/>
+              <a:t>4000 </a:t>
+            </a:r>
+            <a:r>
+              <a:rPr kumimoji="1" lang="ja-JP" altLang="en-US" sz="2400" dirty="0"/>
+              <a:t>→　</a:t>
+            </a:r>
+            <a:r>
+              <a:rPr kumimoji="1" lang="en-US" altLang="ja-JP" sz="2400" dirty="0"/>
+              <a:t>5300</a:t>
             </a:r>
           </a:p>
         </p:txBody>

--- a/授業資料/講義資料：Listクラス.pptx
+++ b/授業資料/講義資料：Listクラス.pptx
@@ -18,7 +18,8 @@
     <p:sldId id="382" r:id="rId12"/>
     <p:sldId id="383" r:id="rId13"/>
     <p:sldId id="384" r:id="rId14"/>
-    <p:sldId id="349" r:id="rId15"/>
+    <p:sldId id="385" r:id="rId15"/>
+    <p:sldId id="349" r:id="rId16"/>
   </p:sldIdLst>
   <p:sldSz cx="12192000" cy="6858000"/>
   <p:notesSz cx="6858000" cy="9144000"/>
@@ -4226,12 +4227,15 @@
               </a:rPr>
               <a:t>重複データの削除</a:t>
             </a:r>
-            <a:endParaRPr lang="en-US" altLang="ja-JP" sz="2000" dirty="0">
-              <a:solidFill>
-                <a:srgbClr val="00B050"/>
-              </a:solidFill>
-              <a:latin typeface="+mn-ea"/>
-            </a:endParaRPr>
+            <a:r>
+              <a:rPr lang="en-US" altLang="ja-JP" sz="2000" dirty="0">
+                <a:solidFill>
+                  <a:srgbClr val="00B050"/>
+                </a:solidFill>
+                <a:latin typeface="+mn-ea"/>
+              </a:rPr>
+              <a:t>	   [1 2 3 4 5 8]</a:t>
+            </a:r>
           </a:p>
           <a:p>
             <a:r>
@@ -5330,7 +5334,7 @@
                 </a:solidFill>
                 <a:ea typeface="ＭＳ ゴシック" panose="020B0609070205080204" pitchFamily="49" charset="-128"/>
               </a:rPr>
-              <a:t> it </a:t>
+              <a:t> d </a:t>
             </a:r>
             <a:r>
               <a:rPr lang="en-US" altLang="ja-JP" sz="2000" dirty="0">
@@ -6297,7 +6301,7 @@
               <a:rPr lang="en-US" altLang="ja-JP" sz="2000" dirty="0">
                 <a:ea typeface="ＭＳ ゴシック" panose="020B0609070205080204" pitchFamily="49" charset="-128"/>
               </a:rPr>
-              <a:t>for (auto it : li ) {   </a:t>
+              <a:t>for (auto d : li ) {   </a:t>
             </a:r>
             <a:r>
               <a:rPr lang="en-US" altLang="ja-JP" sz="2000" dirty="0">
@@ -6383,7 +6387,7 @@
                 </a:solidFill>
                 <a:ea typeface="ＭＳ ゴシック" panose="020B0609070205080204" pitchFamily="49" charset="-128"/>
               </a:rPr>
-              <a:t> it </a:t>
+              <a:t> d </a:t>
             </a:r>
             <a:r>
               <a:rPr lang="en-US" altLang="ja-JP" sz="2000" dirty="0">
@@ -7355,12 +7359,15 @@
               </a:rPr>
               <a:t>のものをリストから削除</a:t>
             </a:r>
-            <a:endParaRPr lang="en-US" altLang="ja-JP" sz="2000" dirty="0">
-              <a:solidFill>
-                <a:srgbClr val="00B050"/>
-              </a:solidFill>
-              <a:latin typeface="+mn-ea"/>
-            </a:endParaRPr>
+            <a:r>
+              <a:rPr lang="en-US" altLang="ja-JP" sz="2000" dirty="0">
+                <a:solidFill>
+                  <a:srgbClr val="00B050"/>
+                </a:solidFill>
+                <a:latin typeface="+mn-ea"/>
+              </a:rPr>
+              <a:t>  [1 2 4 5 8]</a:t>
+            </a:r>
           </a:p>
           <a:p>
             <a:r>
@@ -7609,6 +7616,920 @@
 </file>
 
 <file path=ppt/slides/slide14.xml><?xml version="1.0" encoding="utf-8"?>
+<p:sld xmlns:a="http://schemas.openxmlformats.org/drawingml/2006/main" xmlns:r="http://schemas.openxmlformats.org/officeDocument/2006/relationships" xmlns:p="http://schemas.openxmlformats.org/presentationml/2006/main">
+  <p:cSld>
+    <p:spTree>
+      <p:nvGrpSpPr>
+        <p:cNvPr id="1" name=""/>
+        <p:cNvGrpSpPr/>
+        <p:nvPr/>
+      </p:nvGrpSpPr>
+      <p:grpSpPr>
+        <a:xfrm>
+          <a:off x="0" y="0"/>
+          <a:ext cx="0" cy="0"/>
+          <a:chOff x="0" y="0"/>
+          <a:chExt cx="0" cy="0"/>
+        </a:xfrm>
+      </p:grpSpPr>
+      <p:sp>
+        <p:nvSpPr>
+          <p:cNvPr id="2" name="タイトル 1">
+            <a:extLst>
+              <a:ext uri="{FF2B5EF4-FFF2-40B4-BE49-F238E27FC236}">
+                <a16:creationId xmlns:a16="http://schemas.microsoft.com/office/drawing/2014/main" id="{F11F3668-F205-48C5-AC01-19611EFE561B}"/>
+              </a:ext>
+            </a:extLst>
+          </p:cNvPr>
+          <p:cNvSpPr>
+            <a:spLocks noGrp="1"/>
+          </p:cNvSpPr>
+          <p:nvPr>
+            <p:ph type="title"/>
+          </p:nvPr>
+        </p:nvSpPr>
+        <p:spPr/>
+        <p:txBody>
+          <a:bodyPr/>
+          <a:lstStyle/>
+          <a:p>
+            <a:r>
+              <a:rPr lang="en-US" altLang="ja-JP" dirty="0"/>
+              <a:t>list</a:t>
+            </a:r>
+            <a:r>
+              <a:rPr kumimoji="1" lang="ja-JP" altLang="en-US" dirty="0"/>
+              <a:t>クラス</a:t>
+            </a:r>
+          </a:p>
+        </p:txBody>
+      </p:sp>
+      <p:sp>
+        <p:nvSpPr>
+          <p:cNvPr id="3" name="コンテンツ プレースホルダー 2">
+            <a:extLst>
+              <a:ext uri="{FF2B5EF4-FFF2-40B4-BE49-F238E27FC236}">
+                <a16:creationId xmlns:a16="http://schemas.microsoft.com/office/drawing/2014/main" id="{64DBE417-57E9-44A6-BB52-B2F9986BB7B2}"/>
+              </a:ext>
+            </a:extLst>
+          </p:cNvPr>
+          <p:cNvSpPr>
+            <a:spLocks noGrp="1"/>
+          </p:cNvSpPr>
+          <p:nvPr>
+            <p:ph idx="1"/>
+          </p:nvPr>
+        </p:nvSpPr>
+        <p:spPr>
+          <a:xfrm>
+            <a:off x="838200" y="1162976"/>
+            <a:ext cx="10515600" cy="5193373"/>
+          </a:xfrm>
+        </p:spPr>
+        <p:txBody>
+          <a:bodyPr>
+            <a:normAutofit/>
+          </a:bodyPr>
+          <a:lstStyle/>
+          <a:p>
+            <a:pPr marL="0" indent="0">
+              <a:buNone/>
+            </a:pPr>
+            <a:r>
+              <a:rPr kumimoji="1" lang="en-US" altLang="ja-JP" dirty="0"/>
+              <a:t>                main.cpp</a:t>
+            </a:r>
+            <a:r>
+              <a:rPr kumimoji="1" lang="ja-JP" altLang="en-US" dirty="0"/>
+              <a:t>　</a:t>
+            </a:r>
+            <a:r>
+              <a:rPr kumimoji="1" lang="en-US" altLang="ja-JP" dirty="0"/>
+              <a:t>(Sample606)</a:t>
+            </a:r>
+            <a:br>
+              <a:rPr lang="en-US" altLang="ja-JP" dirty="0"/>
+            </a:br>
+            <a:endParaRPr lang="en-US" altLang="ja-JP" dirty="0"/>
+          </a:p>
+          <a:p>
+            <a:pPr marL="0" indent="0">
+              <a:buNone/>
+            </a:pPr>
+            <a:br>
+              <a:rPr lang="en-US" altLang="ja-JP" dirty="0"/>
+            </a:br>
+            <a:br>
+              <a:rPr lang="en-US" altLang="ja-JP" dirty="0"/>
+            </a:br>
+            <a:br>
+              <a:rPr lang="en-US" altLang="ja-JP" dirty="0"/>
+            </a:br>
+            <a:br>
+              <a:rPr lang="en-US" altLang="ja-JP" sz="2400" dirty="0"/>
+            </a:br>
+            <a:br>
+              <a:rPr lang="en-US" altLang="ja-JP" sz="2400" dirty="0"/>
+            </a:br>
+            <a:endParaRPr lang="en-US" altLang="ja-JP" sz="2400" dirty="0"/>
+          </a:p>
+          <a:p>
+            <a:pPr marL="0" indent="0">
+              <a:buNone/>
+            </a:pPr>
+            <a:br>
+              <a:rPr lang="en-US" altLang="ja-JP" sz="2400" dirty="0"/>
+            </a:br>
+            <a:endParaRPr lang="en-US" altLang="ja-JP" dirty="0">
+              <a:solidFill>
+                <a:srgbClr val="FF0000"/>
+              </a:solidFill>
+            </a:endParaRPr>
+          </a:p>
+        </p:txBody>
+      </p:sp>
+      <p:sp>
+        <p:nvSpPr>
+          <p:cNvPr id="5" name="テキスト ボックス 4">
+            <a:extLst>
+              <a:ext uri="{FF2B5EF4-FFF2-40B4-BE49-F238E27FC236}">
+                <a16:creationId xmlns:a16="http://schemas.microsoft.com/office/drawing/2014/main" id="{9E32883C-0E37-4F07-9861-27609819CE8C}"/>
+              </a:ext>
+            </a:extLst>
+          </p:cNvPr>
+          <p:cNvSpPr txBox="1"/>
+          <p:nvPr/>
+        </p:nvSpPr>
+        <p:spPr>
+          <a:xfrm>
+            <a:off x="665580" y="1082006"/>
+            <a:ext cx="10688220" cy="5632311"/>
+          </a:xfrm>
+          <a:prstGeom prst="rect">
+            <a:avLst/>
+          </a:prstGeom>
+          <a:noFill/>
+          <a:ln>
+            <a:solidFill>
+              <a:schemeClr val="tx1"/>
+            </a:solidFill>
+          </a:ln>
+        </p:spPr>
+        <p:txBody>
+          <a:bodyPr wrap="square" rtlCol="0">
+            <a:spAutoFit/>
+          </a:bodyPr>
+          <a:lstStyle/>
+          <a:p>
+            <a:r>
+              <a:rPr lang="en-US" altLang="ja-JP" sz="2000" dirty="0">
+                <a:solidFill>
+                  <a:srgbClr val="808080"/>
+                </a:solidFill>
+                <a:ea typeface="ＭＳ ゴシック" panose="020B0609070205080204" pitchFamily="49" charset="-128"/>
+              </a:rPr>
+              <a:t>#include</a:t>
+            </a:r>
+            <a:r>
+              <a:rPr lang="en-US" altLang="ja-JP" sz="2000" dirty="0">
+                <a:solidFill>
+                  <a:srgbClr val="000000"/>
+                </a:solidFill>
+                <a:ea typeface="ＭＳ ゴシック" panose="020B0609070205080204" pitchFamily="49" charset="-128"/>
+              </a:rPr>
+              <a:t> </a:t>
+            </a:r>
+            <a:r>
+              <a:rPr lang="en-US" altLang="ja-JP" sz="2000" dirty="0">
+                <a:solidFill>
+                  <a:srgbClr val="A31515"/>
+                </a:solidFill>
+                <a:ea typeface="ＭＳ ゴシック" panose="020B0609070205080204" pitchFamily="49" charset="-128"/>
+              </a:rPr>
+              <a:t>&lt;list&gt;</a:t>
+            </a:r>
+            <a:endParaRPr lang="en-US" altLang="ja-JP" sz="2000" dirty="0">
+              <a:solidFill>
+                <a:srgbClr val="000000"/>
+              </a:solidFill>
+              <a:ea typeface="ＭＳ ゴシック" panose="020B0609070205080204" pitchFamily="49" charset="-128"/>
+            </a:endParaRPr>
+          </a:p>
+          <a:p>
+            <a:r>
+              <a:rPr lang="en-US" altLang="ja-JP" sz="2000" dirty="0">
+                <a:solidFill>
+                  <a:srgbClr val="808080"/>
+                </a:solidFill>
+                <a:ea typeface="ＭＳ ゴシック" panose="020B0609070205080204" pitchFamily="49" charset="-128"/>
+              </a:rPr>
+              <a:t>#include</a:t>
+            </a:r>
+            <a:r>
+              <a:rPr lang="en-US" altLang="ja-JP" sz="2000" dirty="0">
+                <a:solidFill>
+                  <a:srgbClr val="000000"/>
+                </a:solidFill>
+                <a:ea typeface="ＭＳ ゴシック" panose="020B0609070205080204" pitchFamily="49" charset="-128"/>
+              </a:rPr>
+              <a:t> </a:t>
+            </a:r>
+            <a:r>
+              <a:rPr lang="en-US" altLang="ja-JP" sz="2000" dirty="0">
+                <a:solidFill>
+                  <a:srgbClr val="A31515"/>
+                </a:solidFill>
+                <a:ea typeface="ＭＳ ゴシック" panose="020B0609070205080204" pitchFamily="49" charset="-128"/>
+              </a:rPr>
+              <a:t>&lt;iostream&gt;</a:t>
+            </a:r>
+            <a:endParaRPr lang="en-US" altLang="ja-JP" sz="2000" dirty="0">
+              <a:solidFill>
+                <a:srgbClr val="000000"/>
+              </a:solidFill>
+              <a:ea typeface="ＭＳ ゴシック" panose="020B0609070205080204" pitchFamily="49" charset="-128"/>
+            </a:endParaRPr>
+          </a:p>
+          <a:p>
+            <a:r>
+              <a:rPr lang="en-US" altLang="ja-JP" sz="2000" dirty="0">
+                <a:solidFill>
+                  <a:srgbClr val="0000FF"/>
+                </a:solidFill>
+                <a:ea typeface="ＭＳ ゴシック" panose="020B0609070205080204" pitchFamily="49" charset="-128"/>
+              </a:rPr>
+              <a:t>using</a:t>
+            </a:r>
+            <a:r>
+              <a:rPr lang="en-US" altLang="ja-JP" sz="2000" dirty="0">
+                <a:solidFill>
+                  <a:srgbClr val="000000"/>
+                </a:solidFill>
+                <a:ea typeface="ＭＳ ゴシック" panose="020B0609070205080204" pitchFamily="49" charset="-128"/>
+              </a:rPr>
+              <a:t> </a:t>
+            </a:r>
+            <a:r>
+              <a:rPr lang="en-US" altLang="ja-JP" sz="2000" dirty="0">
+                <a:solidFill>
+                  <a:srgbClr val="0000FF"/>
+                </a:solidFill>
+                <a:ea typeface="ＭＳ ゴシック" panose="020B0609070205080204" pitchFamily="49" charset="-128"/>
+              </a:rPr>
+              <a:t>namespace</a:t>
+            </a:r>
+            <a:r>
+              <a:rPr lang="en-US" altLang="ja-JP" sz="2000" dirty="0">
+                <a:solidFill>
+                  <a:srgbClr val="000000"/>
+                </a:solidFill>
+                <a:ea typeface="ＭＳ ゴシック" panose="020B0609070205080204" pitchFamily="49" charset="-128"/>
+              </a:rPr>
+              <a:t> std;</a:t>
+            </a:r>
+            <a:endParaRPr lang="ja-JP" altLang="en-US" sz="2000" dirty="0">
+              <a:solidFill>
+                <a:srgbClr val="000000"/>
+              </a:solidFill>
+              <a:ea typeface="ＭＳ ゴシック" panose="020B0609070205080204" pitchFamily="49" charset="-128"/>
+            </a:endParaRPr>
+          </a:p>
+          <a:p>
+            <a:r>
+              <a:rPr lang="en-US" altLang="ja-JP" sz="2000" dirty="0">
+                <a:solidFill>
+                  <a:srgbClr val="0000FF"/>
+                </a:solidFill>
+                <a:ea typeface="ＭＳ ゴシック" panose="020B0609070205080204" pitchFamily="49" charset="-128"/>
+              </a:rPr>
+              <a:t>int</a:t>
+            </a:r>
+            <a:r>
+              <a:rPr lang="en-US" altLang="ja-JP" sz="2000" dirty="0">
+                <a:solidFill>
+                  <a:srgbClr val="000000"/>
+                </a:solidFill>
+                <a:ea typeface="ＭＳ ゴシック" panose="020B0609070205080204" pitchFamily="49" charset="-128"/>
+              </a:rPr>
+              <a:t> main() {</a:t>
+            </a:r>
+          </a:p>
+          <a:p>
+            <a:r>
+              <a:rPr lang="en-US" altLang="ja-JP" sz="2000" dirty="0">
+                <a:solidFill>
+                  <a:srgbClr val="2B91AF"/>
+                </a:solidFill>
+                <a:ea typeface="ＭＳ ゴシック" panose="020B0609070205080204" pitchFamily="49" charset="-128"/>
+              </a:rPr>
+              <a:t>	list</a:t>
+            </a:r>
+            <a:r>
+              <a:rPr lang="en-US" altLang="ja-JP" sz="2000" dirty="0">
+                <a:solidFill>
+                  <a:srgbClr val="000000"/>
+                </a:solidFill>
+                <a:ea typeface="ＭＳ ゴシック" panose="020B0609070205080204" pitchFamily="49" charset="-128"/>
+              </a:rPr>
+              <a:t>&lt;</a:t>
+            </a:r>
+            <a:r>
+              <a:rPr lang="en-US" altLang="ja-JP" sz="2000" dirty="0">
+                <a:solidFill>
+                  <a:srgbClr val="0000FF"/>
+                </a:solidFill>
+                <a:ea typeface="ＭＳ ゴシック" panose="020B0609070205080204" pitchFamily="49" charset="-128"/>
+              </a:rPr>
+              <a:t>int</a:t>
+            </a:r>
+            <a:r>
+              <a:rPr lang="en-US" altLang="ja-JP" sz="2000" dirty="0">
+                <a:solidFill>
+                  <a:srgbClr val="000000"/>
+                </a:solidFill>
+                <a:ea typeface="ＭＳ ゴシック" panose="020B0609070205080204" pitchFamily="49" charset="-128"/>
+              </a:rPr>
+              <a:t>&gt; li{5, 8, 2}; </a:t>
+            </a:r>
+            <a:endParaRPr lang="en-US" altLang="ja-JP" sz="2000" dirty="0">
+              <a:solidFill>
+                <a:srgbClr val="00B050"/>
+              </a:solidFill>
+              <a:latin typeface="+mn-ea"/>
+            </a:endParaRPr>
+          </a:p>
+          <a:p>
+            <a:r>
+              <a:rPr lang="en-US" altLang="ja-JP" sz="2000" dirty="0">
+                <a:solidFill>
+                  <a:srgbClr val="000000"/>
+                </a:solidFill>
+                <a:ea typeface="ＭＳ ゴシック" panose="020B0609070205080204" pitchFamily="49" charset="-128"/>
+              </a:rPr>
+              <a:t>	</a:t>
+            </a:r>
+            <a:r>
+              <a:rPr lang="en-US" altLang="ja-JP" sz="2000" dirty="0" err="1">
+                <a:solidFill>
+                  <a:srgbClr val="000000"/>
+                </a:solidFill>
+                <a:ea typeface="ＭＳ ゴシック" panose="020B0609070205080204" pitchFamily="49" charset="-128"/>
+              </a:rPr>
+              <a:t>li.push_back</a:t>
+            </a:r>
+            <a:r>
+              <a:rPr lang="en-US" altLang="ja-JP" sz="2000" dirty="0">
+                <a:solidFill>
+                  <a:srgbClr val="000000"/>
+                </a:solidFill>
+                <a:ea typeface="ＭＳ ゴシック" panose="020B0609070205080204" pitchFamily="49" charset="-128"/>
+              </a:rPr>
+              <a:t>(1);</a:t>
+            </a:r>
+            <a:endParaRPr lang="en-US" altLang="ja-JP" sz="2000" dirty="0">
+              <a:solidFill>
+                <a:srgbClr val="00B050"/>
+              </a:solidFill>
+              <a:latin typeface="+mn-ea"/>
+            </a:endParaRPr>
+          </a:p>
+          <a:p>
+            <a:r>
+              <a:rPr lang="en-US" altLang="ja-JP" sz="2000" dirty="0">
+                <a:solidFill>
+                  <a:srgbClr val="000000"/>
+                </a:solidFill>
+                <a:ea typeface="ＭＳ ゴシック" panose="020B0609070205080204" pitchFamily="49" charset="-128"/>
+              </a:rPr>
+              <a:t>	</a:t>
+            </a:r>
+            <a:r>
+              <a:rPr lang="en-US" altLang="ja-JP" sz="2000" dirty="0" err="1">
+                <a:solidFill>
+                  <a:srgbClr val="000000"/>
+                </a:solidFill>
+                <a:ea typeface="ＭＳ ゴシック" panose="020B0609070205080204" pitchFamily="49" charset="-128"/>
+              </a:rPr>
+              <a:t>li.push_back</a:t>
+            </a:r>
+            <a:r>
+              <a:rPr lang="en-US" altLang="ja-JP" sz="2000" dirty="0">
+                <a:solidFill>
+                  <a:srgbClr val="000000"/>
+                </a:solidFill>
+                <a:ea typeface="ＭＳ ゴシック" panose="020B0609070205080204" pitchFamily="49" charset="-128"/>
+              </a:rPr>
+              <a:t>(2);</a:t>
+            </a:r>
+          </a:p>
+          <a:p>
+            <a:r>
+              <a:rPr lang="en-US" altLang="ja-JP" sz="2000" dirty="0">
+                <a:solidFill>
+                  <a:srgbClr val="000000"/>
+                </a:solidFill>
+                <a:ea typeface="ＭＳ ゴシック" panose="020B0609070205080204" pitchFamily="49" charset="-128"/>
+              </a:rPr>
+              <a:t>	</a:t>
+            </a:r>
+            <a:r>
+              <a:rPr lang="en-US" altLang="ja-JP" sz="2000" dirty="0" err="1">
+                <a:solidFill>
+                  <a:srgbClr val="000000"/>
+                </a:solidFill>
+                <a:ea typeface="ＭＳ ゴシック" panose="020B0609070205080204" pitchFamily="49" charset="-128"/>
+              </a:rPr>
+              <a:t>li.push_front</a:t>
+            </a:r>
+            <a:r>
+              <a:rPr lang="en-US" altLang="ja-JP" sz="2000" dirty="0">
+                <a:solidFill>
+                  <a:srgbClr val="000000"/>
+                </a:solidFill>
+                <a:ea typeface="ＭＳ ゴシック" panose="020B0609070205080204" pitchFamily="49" charset="-128"/>
+              </a:rPr>
+              <a:t>(3);</a:t>
+            </a:r>
+          </a:p>
+          <a:p>
+            <a:r>
+              <a:rPr lang="en-US" altLang="ja-JP" sz="2000" dirty="0">
+                <a:solidFill>
+                  <a:srgbClr val="0000FF"/>
+                </a:solidFill>
+                <a:ea typeface="ＭＳ ゴシック" panose="020B0609070205080204" pitchFamily="49" charset="-128"/>
+              </a:rPr>
+              <a:t>	auto</a:t>
+            </a:r>
+            <a:r>
+              <a:rPr lang="en-US" altLang="ja-JP" sz="2000" dirty="0">
+                <a:solidFill>
+                  <a:srgbClr val="000000"/>
+                </a:solidFill>
+                <a:ea typeface="ＭＳ ゴシック" panose="020B0609070205080204" pitchFamily="49" charset="-128"/>
+              </a:rPr>
+              <a:t> </a:t>
+            </a:r>
+            <a:r>
+              <a:rPr lang="en-US" altLang="ja-JP" sz="2000" dirty="0" err="1">
+                <a:solidFill>
+                  <a:srgbClr val="000000"/>
+                </a:solidFill>
+                <a:ea typeface="ＭＳ ゴシック" panose="020B0609070205080204" pitchFamily="49" charset="-128"/>
+              </a:rPr>
+              <a:t>itr</a:t>
+            </a:r>
+            <a:r>
+              <a:rPr lang="en-US" altLang="ja-JP" sz="2000" dirty="0">
+                <a:solidFill>
+                  <a:srgbClr val="000000"/>
+                </a:solidFill>
+                <a:ea typeface="ＭＳ ゴシック" panose="020B0609070205080204" pitchFamily="49" charset="-128"/>
+              </a:rPr>
+              <a:t> = </a:t>
+            </a:r>
+            <a:r>
+              <a:rPr lang="en-US" altLang="ja-JP" sz="2000" dirty="0" err="1">
+                <a:solidFill>
+                  <a:srgbClr val="000000"/>
+                </a:solidFill>
+                <a:ea typeface="ＭＳ ゴシック" panose="020B0609070205080204" pitchFamily="49" charset="-128"/>
+              </a:rPr>
+              <a:t>li.begin</a:t>
+            </a:r>
+            <a:r>
+              <a:rPr lang="en-US" altLang="ja-JP" sz="2000" dirty="0">
+                <a:solidFill>
+                  <a:srgbClr val="000000"/>
+                </a:solidFill>
+                <a:ea typeface="ＭＳ ゴシック" panose="020B0609070205080204" pitchFamily="49" charset="-128"/>
+              </a:rPr>
+              <a:t>();</a:t>
+            </a:r>
+          </a:p>
+          <a:p>
+            <a:r>
+              <a:rPr lang="en-US" altLang="ja-JP" sz="2000" dirty="0">
+                <a:solidFill>
+                  <a:srgbClr val="000000"/>
+                </a:solidFill>
+                <a:ea typeface="ＭＳ ゴシック" panose="020B0609070205080204" pitchFamily="49" charset="-128"/>
+              </a:rPr>
+              <a:t>	</a:t>
+            </a:r>
+            <a:r>
+              <a:rPr lang="en-US" altLang="ja-JP" sz="2000" dirty="0" err="1">
+                <a:solidFill>
+                  <a:srgbClr val="000000"/>
+                </a:solidFill>
+                <a:ea typeface="ＭＳ ゴシック" panose="020B0609070205080204" pitchFamily="49" charset="-128"/>
+              </a:rPr>
+              <a:t>itr</a:t>
+            </a:r>
+            <a:r>
+              <a:rPr lang="en-US" altLang="ja-JP" sz="2000" dirty="0">
+                <a:solidFill>
+                  <a:srgbClr val="008080"/>
+                </a:solidFill>
+                <a:ea typeface="ＭＳ ゴシック" panose="020B0609070205080204" pitchFamily="49" charset="-128"/>
+              </a:rPr>
+              <a:t>++</a:t>
+            </a:r>
+            <a:r>
+              <a:rPr lang="en-US" altLang="ja-JP" sz="2000" dirty="0">
+                <a:solidFill>
+                  <a:srgbClr val="000000"/>
+                </a:solidFill>
+                <a:ea typeface="ＭＳ ゴシック" panose="020B0609070205080204" pitchFamily="49" charset="-128"/>
+              </a:rPr>
+              <a:t>;</a:t>
+            </a:r>
+          </a:p>
+          <a:p>
+            <a:r>
+              <a:rPr lang="en-US" altLang="ja-JP" sz="2000" dirty="0">
+                <a:solidFill>
+                  <a:srgbClr val="000000"/>
+                </a:solidFill>
+                <a:ea typeface="ＭＳ ゴシック" panose="020B0609070205080204" pitchFamily="49" charset="-128"/>
+              </a:rPr>
+              <a:t>	</a:t>
+            </a:r>
+            <a:r>
+              <a:rPr lang="en-US" altLang="ja-JP" sz="2000" dirty="0" err="1">
+                <a:solidFill>
+                  <a:srgbClr val="000000"/>
+                </a:solidFill>
+                <a:ea typeface="ＭＳ ゴシック" panose="020B0609070205080204" pitchFamily="49" charset="-128"/>
+              </a:rPr>
+              <a:t>li.insert</a:t>
+            </a:r>
+            <a:r>
+              <a:rPr lang="en-US" altLang="ja-JP" sz="2000" dirty="0">
+                <a:solidFill>
+                  <a:srgbClr val="000000"/>
+                </a:solidFill>
+                <a:ea typeface="ＭＳ ゴシック" panose="020B0609070205080204" pitchFamily="49" charset="-128"/>
+              </a:rPr>
+              <a:t>(</a:t>
+            </a:r>
+            <a:r>
+              <a:rPr lang="en-US" altLang="ja-JP" sz="2000" dirty="0" err="1">
+                <a:solidFill>
+                  <a:srgbClr val="000000"/>
+                </a:solidFill>
+                <a:ea typeface="ＭＳ ゴシック" panose="020B0609070205080204" pitchFamily="49" charset="-128"/>
+              </a:rPr>
+              <a:t>itr</a:t>
+            </a:r>
+            <a:r>
+              <a:rPr lang="en-US" altLang="ja-JP" sz="2000" dirty="0">
+                <a:solidFill>
+                  <a:srgbClr val="000000"/>
+                </a:solidFill>
+                <a:ea typeface="ＭＳ ゴシック" panose="020B0609070205080204" pitchFamily="49" charset="-128"/>
+              </a:rPr>
+              <a:t>, 4);</a:t>
+            </a:r>
+            <a:br>
+              <a:rPr lang="en-US" altLang="ja-JP" sz="2000" dirty="0">
+                <a:solidFill>
+                  <a:srgbClr val="000000"/>
+                </a:solidFill>
+                <a:ea typeface="ＭＳ ゴシック" panose="020B0609070205080204" pitchFamily="49" charset="-128"/>
+              </a:rPr>
+            </a:br>
+            <a:r>
+              <a:rPr lang="en-US" altLang="ja-JP" sz="2000" dirty="0">
+                <a:solidFill>
+                  <a:srgbClr val="000000"/>
+                </a:solidFill>
+                <a:ea typeface="ＭＳ ゴシック" panose="020B0609070205080204" pitchFamily="49" charset="-128"/>
+              </a:rPr>
+              <a:t>	</a:t>
+            </a:r>
+            <a:r>
+              <a:rPr lang="en-US" altLang="ja-JP" sz="2000" dirty="0" err="1">
+                <a:solidFill>
+                  <a:srgbClr val="000000"/>
+                </a:solidFill>
+                <a:ea typeface="ＭＳ ゴシック" panose="020B0609070205080204" pitchFamily="49" charset="-128"/>
+              </a:rPr>
+              <a:t>li.sort</a:t>
+            </a:r>
+            <a:r>
+              <a:rPr lang="en-US" altLang="ja-JP" sz="2000" dirty="0">
+                <a:solidFill>
+                  <a:srgbClr val="000000"/>
+                </a:solidFill>
+                <a:ea typeface="ＭＳ ゴシック" panose="020B0609070205080204" pitchFamily="49" charset="-128"/>
+              </a:rPr>
+              <a:t>(); </a:t>
+            </a:r>
+            <a:br>
+              <a:rPr lang="en-US" altLang="ja-JP" sz="2000" dirty="0">
+                <a:solidFill>
+                  <a:srgbClr val="00B050"/>
+                </a:solidFill>
+                <a:latin typeface="+mn-ea"/>
+              </a:rPr>
+            </a:br>
+            <a:r>
+              <a:rPr lang="en-US" altLang="ja-JP" sz="2000" dirty="0">
+                <a:solidFill>
+                  <a:srgbClr val="00B050"/>
+                </a:solidFill>
+                <a:latin typeface="+mn-ea"/>
+              </a:rPr>
+              <a:t>	</a:t>
+            </a:r>
+            <a:r>
+              <a:rPr lang="en-US" altLang="ja-JP" sz="2000" dirty="0" err="1">
+                <a:solidFill>
+                  <a:srgbClr val="000000"/>
+                </a:solidFill>
+                <a:ea typeface="ＭＳ ゴシック" panose="020B0609070205080204" pitchFamily="49" charset="-128"/>
+              </a:rPr>
+              <a:t>li.unique</a:t>
+            </a:r>
+            <a:r>
+              <a:rPr lang="en-US" altLang="ja-JP" sz="2000" dirty="0">
+                <a:solidFill>
+                  <a:srgbClr val="000000"/>
+                </a:solidFill>
+                <a:ea typeface="ＭＳ ゴシック" panose="020B0609070205080204" pitchFamily="49" charset="-128"/>
+              </a:rPr>
+              <a:t>(); </a:t>
+            </a:r>
+          </a:p>
+          <a:p>
+            <a:r>
+              <a:rPr lang="en-US" altLang="ja-JP" sz="2000" dirty="0">
+                <a:solidFill>
+                  <a:srgbClr val="000000"/>
+                </a:solidFill>
+                <a:latin typeface="ＭＳ ゴシック" panose="020B0609070205080204" pitchFamily="49" charset="-128"/>
+                <a:ea typeface="ＭＳ ゴシック" panose="020B0609070205080204" pitchFamily="49" charset="-128"/>
+              </a:rPr>
+              <a:t>	</a:t>
+            </a:r>
+            <a:r>
+              <a:rPr lang="en-US" altLang="ja-JP" sz="2000" dirty="0" err="1">
+                <a:solidFill>
+                  <a:srgbClr val="000000"/>
+                </a:solidFill>
+                <a:ea typeface="ＭＳ ゴシック" panose="020B0609070205080204" pitchFamily="49" charset="-128"/>
+              </a:rPr>
+              <a:t>li.remove</a:t>
+            </a:r>
+            <a:r>
+              <a:rPr lang="en-US" altLang="ja-JP" sz="2000" dirty="0">
+                <a:solidFill>
+                  <a:srgbClr val="000000"/>
+                </a:solidFill>
+                <a:ea typeface="ＭＳ ゴシック" panose="020B0609070205080204" pitchFamily="49" charset="-128"/>
+              </a:rPr>
+              <a:t>(3);</a:t>
+            </a:r>
+            <a:r>
+              <a:rPr lang="en-US" altLang="ja-JP" sz="2000" dirty="0">
+                <a:ea typeface="ＭＳ ゴシック" panose="020B0609070205080204" pitchFamily="49" charset="-128"/>
+              </a:rPr>
+              <a:t> </a:t>
+            </a:r>
+          </a:p>
+          <a:p>
+            <a:r>
+              <a:rPr lang="en-US" altLang="ja-JP" sz="2000" dirty="0">
+                <a:solidFill>
+                  <a:srgbClr val="008000"/>
+                </a:solidFill>
+                <a:ea typeface="ＭＳ ゴシック" panose="020B0609070205080204" pitchFamily="49" charset="-128"/>
+              </a:rPr>
+              <a:t>	</a:t>
+            </a:r>
+            <a:r>
+              <a:rPr lang="en-US" altLang="ja-JP" sz="2000" dirty="0" err="1">
+                <a:ea typeface="ＭＳ ゴシック" panose="020B0609070205080204" pitchFamily="49" charset="-128"/>
+              </a:rPr>
+              <a:t>li.reverse</a:t>
+            </a:r>
+            <a:r>
+              <a:rPr lang="en-US" altLang="ja-JP" sz="2000" dirty="0">
+                <a:ea typeface="ＭＳ ゴシック" panose="020B0609070205080204" pitchFamily="49" charset="-128"/>
+              </a:rPr>
+              <a:t>(); </a:t>
+            </a:r>
+            <a:r>
+              <a:rPr lang="en-US" altLang="ja-JP" sz="2000" dirty="0">
+                <a:solidFill>
+                  <a:srgbClr val="00B050"/>
+                </a:solidFill>
+                <a:latin typeface="+mn-ea"/>
+              </a:rPr>
+              <a:t>//</a:t>
+            </a:r>
+            <a:r>
+              <a:rPr lang="ja-JP" altLang="en-US" sz="2000" dirty="0">
+                <a:solidFill>
+                  <a:srgbClr val="00B050"/>
+                </a:solidFill>
+                <a:latin typeface="+mn-ea"/>
+              </a:rPr>
+              <a:t>データ列を逆転させる </a:t>
+            </a:r>
+            <a:r>
+              <a:rPr lang="en-US" altLang="ja-JP" sz="2000" dirty="0">
+                <a:solidFill>
+                  <a:srgbClr val="00B050"/>
+                </a:solidFill>
+                <a:latin typeface="+mn-ea"/>
+              </a:rPr>
+              <a:t>[8 5 4 2 1]</a:t>
+            </a:r>
+          </a:p>
+          <a:p>
+            <a:r>
+              <a:rPr lang="ja-JP" altLang="en-US" sz="2000" dirty="0">
+                <a:solidFill>
+                  <a:srgbClr val="008000"/>
+                </a:solidFill>
+                <a:ea typeface="ＭＳ ゴシック" panose="020B0609070205080204" pitchFamily="49" charset="-128"/>
+              </a:rPr>
+              <a:t>   </a:t>
+            </a:r>
+            <a:r>
+              <a:rPr lang="en-US" altLang="ja-JP" sz="2000" dirty="0">
+                <a:ea typeface="ＭＳ ゴシック" panose="020B0609070205080204" pitchFamily="49" charset="-128"/>
+              </a:rPr>
+              <a:t>for (auto d : li ) {  </a:t>
+            </a:r>
+          </a:p>
+          <a:p>
+            <a:r>
+              <a:rPr lang="en-US" altLang="ja-JP" sz="2000" dirty="0">
+                <a:solidFill>
+                  <a:srgbClr val="000000"/>
+                </a:solidFill>
+                <a:ea typeface="ＭＳ ゴシック" panose="020B0609070205080204" pitchFamily="49" charset="-128"/>
+              </a:rPr>
+              <a:t>		</a:t>
+            </a:r>
+            <a:r>
+              <a:rPr lang="en-US" altLang="ja-JP" sz="2000" dirty="0" err="1">
+                <a:solidFill>
+                  <a:srgbClr val="000000"/>
+                </a:solidFill>
+                <a:ea typeface="ＭＳ ゴシック" panose="020B0609070205080204" pitchFamily="49" charset="-128"/>
+              </a:rPr>
+              <a:t>cout</a:t>
+            </a:r>
+            <a:r>
+              <a:rPr lang="en-US" altLang="ja-JP" sz="2000" dirty="0">
+                <a:solidFill>
+                  <a:srgbClr val="000000"/>
+                </a:solidFill>
+                <a:ea typeface="ＭＳ ゴシック" panose="020B0609070205080204" pitchFamily="49" charset="-128"/>
+              </a:rPr>
+              <a:t> </a:t>
+            </a:r>
+            <a:r>
+              <a:rPr lang="en-US" altLang="ja-JP" sz="2000" dirty="0">
+                <a:solidFill>
+                  <a:srgbClr val="008080"/>
+                </a:solidFill>
+                <a:ea typeface="ＭＳ ゴシック" panose="020B0609070205080204" pitchFamily="49" charset="-128"/>
+              </a:rPr>
+              <a:t>&lt;&lt;</a:t>
+            </a:r>
+            <a:r>
+              <a:rPr lang="en-US" altLang="ja-JP" sz="2000" dirty="0">
+                <a:solidFill>
+                  <a:srgbClr val="000000"/>
+                </a:solidFill>
+                <a:ea typeface="ＭＳ ゴシック" panose="020B0609070205080204" pitchFamily="49" charset="-128"/>
+              </a:rPr>
+              <a:t> d </a:t>
+            </a:r>
+            <a:r>
+              <a:rPr lang="en-US" altLang="ja-JP" sz="2000" dirty="0">
+                <a:solidFill>
+                  <a:srgbClr val="008080"/>
+                </a:solidFill>
+                <a:ea typeface="ＭＳ ゴシック" panose="020B0609070205080204" pitchFamily="49" charset="-128"/>
+              </a:rPr>
+              <a:t>&lt;&lt;</a:t>
+            </a:r>
+            <a:r>
+              <a:rPr lang="en-US" altLang="ja-JP" sz="2000" dirty="0">
+                <a:solidFill>
+                  <a:srgbClr val="000000"/>
+                </a:solidFill>
+                <a:ea typeface="ＭＳ ゴシック" panose="020B0609070205080204" pitchFamily="49" charset="-128"/>
+              </a:rPr>
+              <a:t> </a:t>
+            </a:r>
+            <a:r>
+              <a:rPr lang="en-US" altLang="ja-JP" sz="2000" dirty="0">
+                <a:solidFill>
+                  <a:srgbClr val="A31515"/>
+                </a:solidFill>
+                <a:ea typeface="ＭＳ ゴシック" panose="020B0609070205080204" pitchFamily="49" charset="-128"/>
+              </a:rPr>
+              <a:t>“ ”</a:t>
+            </a:r>
+            <a:r>
+              <a:rPr lang="en-US" altLang="ja-JP" sz="2000" dirty="0">
+                <a:solidFill>
+                  <a:srgbClr val="000000"/>
+                </a:solidFill>
+                <a:ea typeface="ＭＳ ゴシック" panose="020B0609070205080204" pitchFamily="49" charset="-128"/>
+              </a:rPr>
+              <a:t>;</a:t>
+            </a:r>
+            <a:endParaRPr lang="en-US" altLang="ja-JP" sz="2000" dirty="0">
+              <a:solidFill>
+                <a:srgbClr val="00B050"/>
+              </a:solidFill>
+              <a:latin typeface="+mn-ea"/>
+            </a:endParaRPr>
+          </a:p>
+          <a:p>
+            <a:r>
+              <a:rPr lang="en-US" altLang="ja-JP" sz="2000" dirty="0">
+                <a:solidFill>
+                  <a:srgbClr val="000000"/>
+                </a:solidFill>
+                <a:ea typeface="ＭＳ ゴシック" panose="020B0609070205080204" pitchFamily="49" charset="-128"/>
+              </a:rPr>
+              <a:t>	}</a:t>
+            </a:r>
+          </a:p>
+        </p:txBody>
+      </p:sp>
+      <p:sp>
+        <p:nvSpPr>
+          <p:cNvPr id="4" name="矢印: 右 3">
+            <a:extLst>
+              <a:ext uri="{FF2B5EF4-FFF2-40B4-BE49-F238E27FC236}">
+                <a16:creationId xmlns:a16="http://schemas.microsoft.com/office/drawing/2014/main" id="{B20BBE19-D104-44AE-501A-44F01CD6F0D3}"/>
+              </a:ext>
+            </a:extLst>
+          </p:cNvPr>
+          <p:cNvSpPr/>
+          <p:nvPr/>
+        </p:nvSpPr>
+        <p:spPr>
+          <a:xfrm>
+            <a:off x="452382" y="5375982"/>
+            <a:ext cx="426396" cy="282102"/>
+          </a:xfrm>
+          <a:prstGeom prst="rightArrow">
+            <a:avLst/>
+          </a:prstGeom>
+          <a:solidFill>
+            <a:srgbClr val="FF0000"/>
+          </a:solidFill>
+        </p:spPr>
+        <p:style>
+          <a:lnRef idx="2">
+            <a:schemeClr val="accent1">
+              <a:shade val="15000"/>
+            </a:schemeClr>
+          </a:lnRef>
+          <a:fillRef idx="1">
+            <a:schemeClr val="accent1"/>
+          </a:fillRef>
+          <a:effectRef idx="0">
+            <a:schemeClr val="accent1"/>
+          </a:effectRef>
+          <a:fontRef idx="minor">
+            <a:schemeClr val="lt1"/>
+          </a:fontRef>
+        </p:style>
+        <p:txBody>
+          <a:bodyPr rtlCol="0" anchor="ctr"/>
+          <a:lstStyle/>
+          <a:p>
+            <a:pPr algn="ctr"/>
+            <a:endParaRPr kumimoji="1" lang="ja-JP" altLang="en-US"/>
+          </a:p>
+        </p:txBody>
+      </p:sp>
+    </p:spTree>
+    <p:extLst>
+      <p:ext uri="{BB962C8B-B14F-4D97-AF65-F5344CB8AC3E}">
+        <p14:creationId xmlns:p14="http://schemas.microsoft.com/office/powerpoint/2010/main" val="535504456"/>
+      </p:ext>
+    </p:extLst>
+  </p:cSld>
+  <p:clrMapOvr>
+    <a:masterClrMapping/>
+  </p:clrMapOvr>
+</p:sld>
+</file>
+
+<file path=ppt/slides/slide15.xml><?xml version="1.0" encoding="utf-8"?>
 <p:sld xmlns:a="http://schemas.openxmlformats.org/drawingml/2006/main" xmlns:r="http://schemas.openxmlformats.org/officeDocument/2006/relationships" xmlns:p="http://schemas.openxmlformats.org/presentationml/2006/main">
   <p:cSld>
     <p:spTree>
@@ -10632,8 +11553,12 @@
           </a:p>
           <a:p>
             <a:r>
+              <a:rPr kumimoji="1" lang="ja-JP" altLang="en-US" sz="2400" dirty="0" err="1"/>
+              <a:t>ので</a:t>
+            </a:r>
+            <a:r>
               <a:rPr kumimoji="1" lang="ja-JP" altLang="en-US" sz="2400" dirty="0"/>
-              <a:t>のでなくポインタの変更のみ）</a:t>
+              <a:t>なくポインタの変更のみ）</a:t>
             </a:r>
           </a:p>
         </p:txBody>
@@ -10668,12 +11593,9 @@
           <a:p>
             <a:r>
               <a:rPr kumimoji="1" lang="ja-JP" altLang="en-US" sz="2400" dirty="0"/>
-              <a:t>データの並び </a:t>
-            </a:r>
-            <a:r>
-              <a:rPr kumimoji="1" lang="en-US" altLang="ja-JP" sz="2400" dirty="0"/>
-              <a:t>sort()</a:t>
-            </a:r>
+              <a:t>データの並び</a:t>
+            </a:r>
+            <a:endParaRPr kumimoji="1" lang="en-US" altLang="ja-JP" sz="2400" dirty="0"/>
           </a:p>
           <a:p>
             <a:r>
@@ -13064,12 +13986,15 @@
               </a:rPr>
               <a:t>への追加</a:t>
             </a:r>
-            <a:endParaRPr lang="en-US" altLang="ja-JP" sz="2000" dirty="0">
-              <a:solidFill>
-                <a:srgbClr val="00B050"/>
-              </a:solidFill>
-              <a:latin typeface="+mn-ea"/>
-            </a:endParaRPr>
+            <a:r>
+              <a:rPr lang="en-US" altLang="ja-JP" sz="2000" dirty="0">
+                <a:solidFill>
+                  <a:srgbClr val="00B050"/>
+                </a:solidFill>
+                <a:latin typeface="+mn-ea"/>
+              </a:rPr>
+              <a:t>[1]</a:t>
+            </a:r>
           </a:p>
           <a:p>
             <a:r>
@@ -13134,6 +14059,15 @@
                 <a:latin typeface="+mn-ea"/>
               </a:rPr>
               <a:t>への追加</a:t>
+            </a:r>
+            <a:r>
+              <a:rPr lang="en-US" altLang="ja-JP" sz="2000" dirty="0">
+                <a:solidFill>
+                  <a:srgbClr val="00B050"/>
+                </a:solidFill>
+                <a:latin typeface="+mn-ea"/>
+              </a:rPr>
+              <a:t>[1 2]</a:t>
             </a:r>
             <a:endParaRPr lang="en-US" altLang="ja-JP" sz="2000" dirty="0">
               <a:solidFill>
@@ -13206,6 +14140,15 @@
               </a:rPr>
               <a:t>への追加</a:t>
             </a:r>
+            <a:r>
+              <a:rPr lang="en-US" altLang="ja-JP" sz="2000" dirty="0">
+                <a:solidFill>
+                  <a:srgbClr val="00B050"/>
+                </a:solidFill>
+                <a:latin typeface="+mn-ea"/>
+              </a:rPr>
+              <a:t>[3 1 2]</a:t>
+            </a:r>
             <a:endParaRPr lang="en-US" altLang="ja-JP" sz="2000" dirty="0">
               <a:solidFill>
                 <a:srgbClr val="000000"/>
@@ -13428,12 +14371,15 @@
               </a:rPr>
               <a:t>イテレータの位置へ挿入</a:t>
             </a:r>
-            <a:endParaRPr lang="en-US" altLang="ja-JP" sz="2000" dirty="0">
-              <a:solidFill>
-                <a:srgbClr val="00B050"/>
-              </a:solidFill>
-              <a:latin typeface="+mn-ea"/>
-            </a:endParaRPr>
+            <a:r>
+              <a:rPr lang="en-US" altLang="ja-JP" sz="2000" dirty="0">
+                <a:solidFill>
+                  <a:srgbClr val="00B050"/>
+                </a:solidFill>
+                <a:latin typeface="+mn-ea"/>
+              </a:rPr>
+              <a:t>[3 4 1 2]</a:t>
+            </a:r>
           </a:p>
           <a:p>
             <a:r>
@@ -14114,11 +15060,114 @@
               </a:rPr>
               <a:t>初期値の設定</a:t>
             </a:r>
+            <a:r>
+              <a:rPr lang="en-US" altLang="ja-JP" sz="2000" dirty="0">
+                <a:solidFill>
+                  <a:srgbClr val="00B050"/>
+                </a:solidFill>
+                <a:latin typeface="+mn-ea"/>
+              </a:rPr>
+              <a:t>[5 8 2]</a:t>
+            </a:r>
+          </a:p>
+          <a:p>
+            <a:r>
+              <a:rPr lang="en-US" altLang="ja-JP" sz="2000" dirty="0">
+                <a:solidFill>
+                  <a:srgbClr val="000000"/>
+                </a:solidFill>
+                <a:ea typeface="ＭＳ ゴシック" panose="020B0609070205080204" pitchFamily="49" charset="-128"/>
+              </a:rPr>
+              <a:t>	</a:t>
+            </a:r>
+            <a:r>
+              <a:rPr lang="en-US" altLang="ja-JP" sz="2000" dirty="0" err="1">
+                <a:solidFill>
+                  <a:srgbClr val="000000"/>
+                </a:solidFill>
+                <a:ea typeface="ＭＳ ゴシック" panose="020B0609070205080204" pitchFamily="49" charset="-128"/>
+              </a:rPr>
+              <a:t>li.push_back</a:t>
+            </a:r>
+            <a:r>
+              <a:rPr lang="en-US" altLang="ja-JP" sz="2000" dirty="0">
+                <a:solidFill>
+                  <a:srgbClr val="000000"/>
+                </a:solidFill>
+                <a:ea typeface="ＭＳ ゴシック" panose="020B0609070205080204" pitchFamily="49" charset="-128"/>
+              </a:rPr>
+              <a:t>(1);</a:t>
+            </a:r>
+            <a:r>
+              <a:rPr lang="en-US" altLang="ja-JP" sz="2000" dirty="0">
+                <a:solidFill>
+                  <a:srgbClr val="00B050"/>
+                </a:solidFill>
+                <a:latin typeface="+mn-ea"/>
+              </a:rPr>
+              <a:t>			//[5 8 2 1]</a:t>
+            </a:r>
+          </a:p>
+          <a:p>
+            <a:r>
+              <a:rPr lang="en-US" altLang="ja-JP" sz="2000" dirty="0">
+                <a:solidFill>
+                  <a:srgbClr val="000000"/>
+                </a:solidFill>
+                <a:ea typeface="ＭＳ ゴシック" panose="020B0609070205080204" pitchFamily="49" charset="-128"/>
+              </a:rPr>
+              <a:t>	</a:t>
+            </a:r>
+            <a:r>
+              <a:rPr lang="en-US" altLang="ja-JP" sz="2000" dirty="0" err="1">
+                <a:solidFill>
+                  <a:srgbClr val="000000"/>
+                </a:solidFill>
+                <a:ea typeface="ＭＳ ゴシック" panose="020B0609070205080204" pitchFamily="49" charset="-128"/>
+              </a:rPr>
+              <a:t>li.push_back</a:t>
+            </a:r>
+            <a:r>
+              <a:rPr lang="en-US" altLang="ja-JP" sz="2000" dirty="0">
+                <a:solidFill>
+                  <a:srgbClr val="000000"/>
+                </a:solidFill>
+                <a:ea typeface="ＭＳ ゴシック" panose="020B0609070205080204" pitchFamily="49" charset="-128"/>
+              </a:rPr>
+              <a:t>(2);</a:t>
+            </a:r>
+            <a:r>
+              <a:rPr lang="en-US" altLang="ja-JP" sz="2000" dirty="0">
+                <a:solidFill>
+                  <a:srgbClr val="00B050"/>
+                </a:solidFill>
+                <a:latin typeface="+mn-ea"/>
+              </a:rPr>
+              <a:t> 			//[5 8 2 1</a:t>
+            </a:r>
+            <a:r>
+              <a:rPr lang="ja-JP" altLang="en-US" sz="2000" dirty="0">
+                <a:solidFill>
+                  <a:srgbClr val="00B050"/>
+                </a:solidFill>
+                <a:latin typeface="+mn-ea"/>
+              </a:rPr>
+              <a:t> </a:t>
+            </a:r>
+            <a:r>
+              <a:rPr lang="en-US" altLang="ja-JP" sz="2000" dirty="0">
+                <a:solidFill>
+                  <a:srgbClr val="00B050"/>
+                </a:solidFill>
+                <a:latin typeface="+mn-ea"/>
+              </a:rPr>
+              <a:t>2]</a:t>
+            </a:r>
             <a:endParaRPr lang="en-US" altLang="ja-JP" sz="2000" dirty="0">
               <a:solidFill>
-                <a:srgbClr val="00B050"/>
+                <a:srgbClr val="000000"/>
               </a:solidFill>
-              <a:latin typeface="+mn-ea"/>
+              <a:ea typeface="ＭＳ ゴシック" panose="020B0609070205080204" pitchFamily="49" charset="-128"/>
             </a:endParaRPr>
           </a:p>
           <a:p>
@@ -14138,28 +15187,93 @@
                 </a:solidFill>
                 <a:ea typeface="ＭＳ ゴシック" panose="020B0609070205080204" pitchFamily="49" charset="-128"/>
               </a:rPr>
-              <a:t>li.push_back</a:t>
-            </a:r>
-            <a:r>
-              <a:rPr lang="en-US" altLang="ja-JP" sz="2000" dirty="0">
-                <a:solidFill>
-                  <a:srgbClr val="000000"/>
-                </a:solidFill>
-                <a:ea typeface="ＭＳ ゴシック" panose="020B0609070205080204" pitchFamily="49" charset="-128"/>
-              </a:rPr>
-              <a:t>(1);</a:t>
+              <a:t>li.push_front</a:t>
+            </a:r>
+            <a:r>
+              <a:rPr lang="en-US" altLang="ja-JP" sz="2000" dirty="0">
+                <a:solidFill>
+                  <a:srgbClr val="000000"/>
+                </a:solidFill>
+                <a:ea typeface="ＭＳ ゴシック" panose="020B0609070205080204" pitchFamily="49" charset="-128"/>
+              </a:rPr>
+              <a:t>(3);</a:t>
+            </a:r>
+            <a:r>
+              <a:rPr lang="en-US" altLang="ja-JP" sz="2000" dirty="0">
+                <a:solidFill>
+                  <a:srgbClr val="00B050"/>
+                </a:solidFill>
+                <a:latin typeface="+mn-ea"/>
+              </a:rPr>
+              <a:t> 		//[3 5 8 2 1 2]</a:t>
             </a:r>
             <a:endParaRPr lang="en-US" altLang="ja-JP" sz="2000" dirty="0">
               <a:solidFill>
-                <a:srgbClr val="00B050"/>
+                <a:srgbClr val="000000"/>
               </a:solidFill>
-              <a:latin typeface="+mn-ea"/>
+              <a:ea typeface="ＭＳ ゴシック" panose="020B0609070205080204" pitchFamily="49" charset="-128"/>
             </a:endParaRPr>
           </a:p>
           <a:p>
             <a:r>
               <a:rPr lang="en-US" altLang="ja-JP" sz="2000" dirty="0">
                 <a:solidFill>
+                  <a:srgbClr val="0000FF"/>
+                </a:solidFill>
+                <a:ea typeface="ＭＳ ゴシック" panose="020B0609070205080204" pitchFamily="49" charset="-128"/>
+              </a:rPr>
+              <a:t>	auto</a:t>
+            </a:r>
+            <a:r>
+              <a:rPr lang="en-US" altLang="ja-JP" sz="2000" dirty="0">
+                <a:solidFill>
+                  <a:srgbClr val="000000"/>
+                </a:solidFill>
+                <a:ea typeface="ＭＳ ゴシック" panose="020B0609070205080204" pitchFamily="49" charset="-128"/>
+              </a:rPr>
+              <a:t> </a:t>
+            </a:r>
+            <a:r>
+              <a:rPr lang="en-US" altLang="ja-JP" sz="2000" dirty="0" err="1">
+                <a:solidFill>
+                  <a:srgbClr val="000000"/>
+                </a:solidFill>
+                <a:ea typeface="ＭＳ ゴシック" panose="020B0609070205080204" pitchFamily="49" charset="-128"/>
+              </a:rPr>
+              <a:t>itr</a:t>
+            </a:r>
+            <a:r>
+              <a:rPr lang="en-US" altLang="ja-JP" sz="2000" dirty="0">
+                <a:solidFill>
+                  <a:srgbClr val="000000"/>
+                </a:solidFill>
+                <a:ea typeface="ＭＳ ゴシック" panose="020B0609070205080204" pitchFamily="49" charset="-128"/>
+              </a:rPr>
+              <a:t> = </a:t>
+            </a:r>
+            <a:r>
+              <a:rPr lang="en-US" altLang="ja-JP" sz="2000" dirty="0" err="1">
+                <a:solidFill>
+                  <a:srgbClr val="000000"/>
+                </a:solidFill>
+                <a:ea typeface="ＭＳ ゴシック" panose="020B0609070205080204" pitchFamily="49" charset="-128"/>
+              </a:rPr>
+              <a:t>li.begin</a:t>
+            </a:r>
+            <a:r>
+              <a:rPr lang="en-US" altLang="ja-JP" sz="2000" dirty="0">
+                <a:solidFill>
+                  <a:srgbClr val="000000"/>
+                </a:solidFill>
+                <a:ea typeface="ＭＳ ゴシック" panose="020B0609070205080204" pitchFamily="49" charset="-128"/>
+              </a:rPr>
+              <a:t>();</a:t>
+            </a:r>
+          </a:p>
+          <a:p>
+            <a:r>
+              <a:rPr lang="en-US" altLang="ja-JP" sz="2000" dirty="0">
+                <a:solidFill>
                   <a:srgbClr val="000000"/>
                 </a:solidFill>
                 <a:ea typeface="ＭＳ ゴシック" panose="020B0609070205080204" pitchFamily="49" charset="-128"/>
@@ -14173,16 +15287,25 @@
                 </a:solidFill>
                 <a:ea typeface="ＭＳ ゴシック" panose="020B0609070205080204" pitchFamily="49" charset="-128"/>
               </a:rPr>
-              <a:t>li.push_back</a:t>
-            </a:r>
-            <a:r>
-              <a:rPr lang="en-US" altLang="ja-JP" sz="2000" dirty="0">
-                <a:solidFill>
-                  <a:srgbClr val="000000"/>
-                </a:solidFill>
-                <a:ea typeface="ＭＳ ゴシック" panose="020B0609070205080204" pitchFamily="49" charset="-128"/>
-              </a:rPr>
-              <a:t>(2);</a:t>
+              <a:t>itr</a:t>
+            </a:r>
+            <a:r>
+              <a:rPr lang="en-US" altLang="ja-JP" sz="2000" dirty="0">
+                <a:solidFill>
+                  <a:srgbClr val="008080"/>
+                </a:solidFill>
+                <a:ea typeface="ＭＳ ゴシック" panose="020B0609070205080204" pitchFamily="49" charset="-128"/>
+              </a:rPr>
+              <a:t>++</a:t>
+            </a:r>
+            <a:r>
+              <a:rPr lang="en-US" altLang="ja-JP" sz="2000" dirty="0">
+                <a:solidFill>
+                  <a:srgbClr val="000000"/>
+                </a:solidFill>
+                <a:ea typeface="ＭＳ ゴシック" panose="020B0609070205080204" pitchFamily="49" charset="-128"/>
+              </a:rPr>
+              <a:t>;</a:t>
             </a:r>
           </a:p>
           <a:p>
@@ -14202,36 +15325,16 @@
                 </a:solidFill>
                 <a:ea typeface="ＭＳ ゴシック" panose="020B0609070205080204" pitchFamily="49" charset="-128"/>
               </a:rPr>
-              <a:t>li.push_front</a:t>
-            </a:r>
-            <a:r>
-              <a:rPr lang="en-US" altLang="ja-JP" sz="2000" dirty="0">
-                <a:solidFill>
-                  <a:srgbClr val="000000"/>
-                </a:solidFill>
-                <a:ea typeface="ＭＳ ゴシック" panose="020B0609070205080204" pitchFamily="49" charset="-128"/>
-              </a:rPr>
-              <a:t>(3);</a:t>
-            </a:r>
-          </a:p>
-          <a:p>
-            <a:r>
-              <a:rPr lang="en-US" altLang="ja-JP" sz="2000" dirty="0">
-                <a:solidFill>
-                  <a:srgbClr val="0000FF"/>
-                </a:solidFill>
-                <a:ea typeface="ＭＳ ゴシック" panose="020B0609070205080204" pitchFamily="49" charset="-128"/>
-              </a:rPr>
-              <a:t>	auto</a:t>
-            </a:r>
-            <a:r>
-              <a:rPr lang="en-US" altLang="ja-JP" sz="2000" dirty="0">
-                <a:solidFill>
-                  <a:srgbClr val="000000"/>
-                </a:solidFill>
-                <a:ea typeface="ＭＳ ゴシック" panose="020B0609070205080204" pitchFamily="49" charset="-128"/>
-              </a:rPr>
-              <a:t> </a:t>
+              <a:t>li.insert</a:t>
+            </a:r>
+            <a:r>
+              <a:rPr lang="en-US" altLang="ja-JP" sz="2000" dirty="0">
+                <a:solidFill>
+                  <a:srgbClr val="000000"/>
+                </a:solidFill>
+                <a:ea typeface="ＭＳ ゴシック" panose="020B0609070205080204" pitchFamily="49" charset="-128"/>
+              </a:rPr>
+              <a:t>(</a:t>
             </a:r>
             <a:r>
               <a:rPr lang="en-US" altLang="ja-JP" sz="2000" dirty="0" err="1">
@@ -14249,117 +15352,17 @@
                 </a:solidFill>
                 <a:ea typeface="ＭＳ ゴシック" panose="020B0609070205080204" pitchFamily="49" charset="-128"/>
               </a:rPr>
-              <a:t> = </a:t>
-            </a:r>
-            <a:r>
-              <a:rPr lang="en-US" altLang="ja-JP" sz="2000" dirty="0" err="1">
-                <a:solidFill>
-                  <a:srgbClr val="000000"/>
-                </a:solidFill>
-                <a:ea typeface="ＭＳ ゴシック" panose="020B0609070205080204" pitchFamily="49" charset="-128"/>
-              </a:rPr>
-              <a:t>li.begin</a:t>
-            </a:r>
-            <a:r>
-              <a:rPr lang="en-US" altLang="ja-JP" sz="2000" dirty="0">
-                <a:solidFill>
-                  <a:srgbClr val="000000"/>
-                </a:solidFill>
-                <a:ea typeface="ＭＳ ゴシック" panose="020B0609070205080204" pitchFamily="49" charset="-128"/>
-              </a:rPr>
-              <a:t>();</a:t>
-            </a:r>
-          </a:p>
-          <a:p>
-            <a:r>
-              <a:rPr lang="en-US" altLang="ja-JP" sz="2000" dirty="0">
-                <a:solidFill>
-                  <a:srgbClr val="000000"/>
-                </a:solidFill>
-                <a:ea typeface="ＭＳ ゴシック" panose="020B0609070205080204" pitchFamily="49" charset="-128"/>
-              </a:rPr>
-              <a:t>	</a:t>
-            </a:r>
-            <a:r>
-              <a:rPr lang="en-US" altLang="ja-JP" sz="2000" dirty="0" err="1">
-                <a:solidFill>
-                  <a:srgbClr val="000000"/>
-                </a:solidFill>
-                <a:ea typeface="ＭＳ ゴシック" panose="020B0609070205080204" pitchFamily="49" charset="-128"/>
-              </a:rPr>
-              <a:t>itr</a:t>
-            </a:r>
-            <a:r>
-              <a:rPr lang="en-US" altLang="ja-JP" sz="2000" dirty="0">
-                <a:solidFill>
-                  <a:srgbClr val="008080"/>
-                </a:solidFill>
-                <a:ea typeface="ＭＳ ゴシック" panose="020B0609070205080204" pitchFamily="49" charset="-128"/>
-              </a:rPr>
-              <a:t>++</a:t>
-            </a:r>
-            <a:r>
-              <a:rPr lang="en-US" altLang="ja-JP" sz="2000" dirty="0">
-                <a:solidFill>
-                  <a:srgbClr val="000000"/>
-                </a:solidFill>
-                <a:ea typeface="ＭＳ ゴシック" panose="020B0609070205080204" pitchFamily="49" charset="-128"/>
-              </a:rPr>
-              <a:t>;</a:t>
-            </a:r>
-          </a:p>
-          <a:p>
-            <a:r>
-              <a:rPr lang="en-US" altLang="ja-JP" sz="2000" dirty="0">
-                <a:solidFill>
-                  <a:srgbClr val="000000"/>
-                </a:solidFill>
-                <a:ea typeface="ＭＳ ゴシック" panose="020B0609070205080204" pitchFamily="49" charset="-128"/>
-              </a:rPr>
-              <a:t>	</a:t>
-            </a:r>
-            <a:r>
-              <a:rPr lang="en-US" altLang="ja-JP" sz="2000" dirty="0" err="1">
-                <a:solidFill>
-                  <a:srgbClr val="000000"/>
-                </a:solidFill>
-                <a:ea typeface="ＭＳ ゴシック" panose="020B0609070205080204" pitchFamily="49" charset="-128"/>
-              </a:rPr>
-              <a:t>li.insert</a:t>
-            </a:r>
-            <a:r>
-              <a:rPr lang="en-US" altLang="ja-JP" sz="2000" dirty="0">
-                <a:solidFill>
-                  <a:srgbClr val="000000"/>
-                </a:solidFill>
-                <a:ea typeface="ＭＳ ゴシック" panose="020B0609070205080204" pitchFamily="49" charset="-128"/>
-              </a:rPr>
-              <a:t>(</a:t>
-            </a:r>
-            <a:r>
-              <a:rPr lang="en-US" altLang="ja-JP" sz="2000" dirty="0" err="1">
-                <a:solidFill>
-                  <a:srgbClr val="000000"/>
-                </a:solidFill>
-                <a:ea typeface="ＭＳ ゴシック" panose="020B0609070205080204" pitchFamily="49" charset="-128"/>
-              </a:rPr>
-              <a:t>itr</a:t>
-            </a:r>
-            <a:r>
-              <a:rPr lang="en-US" altLang="ja-JP" sz="2000" dirty="0">
-                <a:solidFill>
-                  <a:srgbClr val="000000"/>
-                </a:solidFill>
-                <a:ea typeface="ＭＳ ゴシック" panose="020B0609070205080204" pitchFamily="49" charset="-128"/>
-              </a:rPr>
               <a:t>, 4);</a:t>
             </a:r>
-            <a:endParaRPr lang="en-US" altLang="ja-JP" sz="2000" dirty="0">
-              <a:solidFill>
-                <a:srgbClr val="00B050"/>
-              </a:solidFill>
-              <a:latin typeface="+mn-ea"/>
-            </a:endParaRPr>
+            <a:r>
+              <a:rPr lang="en-US" altLang="ja-JP" sz="2000" dirty="0">
+                <a:solidFill>
+                  <a:srgbClr val="00B050"/>
+                </a:solidFill>
+                <a:latin typeface="+mn-ea"/>
+              </a:rPr>
+              <a:t> 		//[3 4 5 8 2 1 2]</a:t>
+            </a:r>
           </a:p>
           <a:p>
             <a:r>
@@ -15293,6 +16296,15 @@
               </a:rPr>
               <a:t>, 4);</a:t>
             </a:r>
+            <a:r>
+              <a:rPr lang="en-US" altLang="ja-JP" sz="2000" dirty="0">
+                <a:solidFill>
+                  <a:srgbClr val="00B050"/>
+                </a:solidFill>
+                <a:latin typeface="+mn-ea"/>
+              </a:rPr>
+              <a:t> 			//[3 4 5 8 2 1 2]</a:t>
+            </a:r>
             <a:br>
               <a:rPr lang="en-US" altLang="ja-JP" sz="2000" dirty="0">
                 <a:solidFill>
@@ -15346,12 +16358,15 @@
               </a:rPr>
               <a:t>昇順ソートの実行</a:t>
             </a:r>
-            <a:endParaRPr lang="en-US" altLang="ja-JP" sz="2000" dirty="0">
-              <a:solidFill>
-                <a:srgbClr val="00B050"/>
-              </a:solidFill>
-              <a:latin typeface="+mn-ea"/>
-            </a:endParaRPr>
+            <a:r>
+              <a:rPr lang="en-US" altLang="ja-JP" sz="2000" dirty="0">
+                <a:solidFill>
+                  <a:srgbClr val="00B050"/>
+                </a:solidFill>
+                <a:latin typeface="+mn-ea"/>
+              </a:rPr>
+              <a:t>	   [1 2 2 3 4 5 8]</a:t>
+            </a:r>
           </a:p>
           <a:p>
             <a:r>

--- a/授業資料/講義資料：Listクラス.pptx
+++ b/授業資料/講義資料：Listクラス.pptx
@@ -257,7 +257,7 @@
           <a:p>
             <a:fld id="{5B96D3F8-CD2E-4A0D-AC38-517181EABB18}" type="datetimeFigureOut">
               <a:rPr kumimoji="1" lang="ja-JP" altLang="en-US" smtClean="0"/>
-              <a:t>2024/10/16</a:t>
+              <a:t>2024/10/22</a:t>
             </a:fld>
             <a:endParaRPr kumimoji="1" lang="ja-JP" altLang="en-US"/>
           </a:p>
@@ -459,7 +459,7 @@
           <a:p>
             <a:fld id="{5B96D3F8-CD2E-4A0D-AC38-517181EABB18}" type="datetimeFigureOut">
               <a:rPr kumimoji="1" lang="ja-JP" altLang="en-US" smtClean="0"/>
-              <a:t>2024/10/16</a:t>
+              <a:t>2024/10/22</a:t>
             </a:fld>
             <a:endParaRPr kumimoji="1" lang="ja-JP" altLang="en-US"/>
           </a:p>
@@ -671,7 +671,7 @@
           <a:p>
             <a:fld id="{5B96D3F8-CD2E-4A0D-AC38-517181EABB18}" type="datetimeFigureOut">
               <a:rPr kumimoji="1" lang="ja-JP" altLang="en-US" smtClean="0"/>
-              <a:t>2024/10/16</a:t>
+              <a:t>2024/10/22</a:t>
             </a:fld>
             <a:endParaRPr kumimoji="1" lang="ja-JP" altLang="en-US"/>
           </a:p>
@@ -873,7 +873,7 @@
           <a:p>
             <a:fld id="{5B96D3F8-CD2E-4A0D-AC38-517181EABB18}" type="datetimeFigureOut">
               <a:rPr kumimoji="1" lang="ja-JP" altLang="en-US" smtClean="0"/>
-              <a:t>2024/10/16</a:t>
+              <a:t>2024/10/22</a:t>
             </a:fld>
             <a:endParaRPr kumimoji="1" lang="ja-JP" altLang="en-US"/>
           </a:p>
@@ -1119,7 +1119,7 @@
           <a:p>
             <a:fld id="{5B96D3F8-CD2E-4A0D-AC38-517181EABB18}" type="datetimeFigureOut">
               <a:rPr kumimoji="1" lang="ja-JP" altLang="en-US" smtClean="0"/>
-              <a:t>2024/10/16</a:t>
+              <a:t>2024/10/22</a:t>
             </a:fld>
             <a:endParaRPr kumimoji="1" lang="ja-JP" altLang="en-US"/>
           </a:p>
@@ -1415,7 +1415,7 @@
           <a:p>
             <a:fld id="{5B96D3F8-CD2E-4A0D-AC38-517181EABB18}" type="datetimeFigureOut">
               <a:rPr kumimoji="1" lang="ja-JP" altLang="en-US" smtClean="0"/>
-              <a:t>2024/10/16</a:t>
+              <a:t>2024/10/22</a:t>
             </a:fld>
             <a:endParaRPr kumimoji="1" lang="ja-JP" altLang="en-US"/>
           </a:p>
@@ -1846,7 +1846,7 @@
           <a:p>
             <a:fld id="{5B96D3F8-CD2E-4A0D-AC38-517181EABB18}" type="datetimeFigureOut">
               <a:rPr kumimoji="1" lang="ja-JP" altLang="en-US" smtClean="0"/>
-              <a:t>2024/10/16</a:t>
+              <a:t>2024/10/22</a:t>
             </a:fld>
             <a:endParaRPr kumimoji="1" lang="ja-JP" altLang="en-US"/>
           </a:p>
@@ -1964,7 +1964,7 @@
           <a:p>
             <a:fld id="{5B96D3F8-CD2E-4A0D-AC38-517181EABB18}" type="datetimeFigureOut">
               <a:rPr kumimoji="1" lang="ja-JP" altLang="en-US" smtClean="0"/>
-              <a:t>2024/10/16</a:t>
+              <a:t>2024/10/22</a:t>
             </a:fld>
             <a:endParaRPr kumimoji="1" lang="ja-JP" altLang="en-US"/>
           </a:p>
@@ -2059,7 +2059,7 @@
           <a:p>
             <a:fld id="{5B96D3F8-CD2E-4A0D-AC38-517181EABB18}" type="datetimeFigureOut">
               <a:rPr kumimoji="1" lang="ja-JP" altLang="en-US" smtClean="0"/>
-              <a:t>2024/10/16</a:t>
+              <a:t>2024/10/22</a:t>
             </a:fld>
             <a:endParaRPr kumimoji="1" lang="ja-JP" altLang="en-US"/>
           </a:p>
@@ -2368,7 +2368,7 @@
           <a:p>
             <a:fld id="{5B96D3F8-CD2E-4A0D-AC38-517181EABB18}" type="datetimeFigureOut">
               <a:rPr kumimoji="1" lang="ja-JP" altLang="en-US" smtClean="0"/>
-              <a:t>2024/10/16</a:t>
+              <a:t>2024/10/22</a:t>
             </a:fld>
             <a:endParaRPr kumimoji="1" lang="ja-JP" altLang="en-US"/>
           </a:p>
@@ -2625,7 +2625,7 @@
           <a:p>
             <a:fld id="{5B96D3F8-CD2E-4A0D-AC38-517181EABB18}" type="datetimeFigureOut">
               <a:rPr kumimoji="1" lang="ja-JP" altLang="en-US" smtClean="0"/>
-              <a:t>2024/10/16</a:t>
+              <a:t>2024/10/22</a:t>
             </a:fld>
             <a:endParaRPr kumimoji="1" lang="ja-JP" altLang="en-US"/>
           </a:p>
@@ -2870,7 +2870,7 @@
           <a:p>
             <a:fld id="{5B96D3F8-CD2E-4A0D-AC38-517181EABB18}" type="datetimeFigureOut">
               <a:rPr kumimoji="1" lang="ja-JP" altLang="en-US" smtClean="0"/>
-              <a:t>2024/10/16</a:t>
+              <a:t>2024/10/22</a:t>
             </a:fld>
             <a:endParaRPr kumimoji="1" lang="ja-JP" altLang="en-US"/>
           </a:p>
@@ -7315,7 +7315,7 @@
                 </a:solidFill>
                 <a:ea typeface="ＭＳ ゴシック" panose="020B0609070205080204" pitchFamily="49" charset="-128"/>
               </a:rPr>
-              <a:t>(3);</a:t>
+              <a:t>(8);</a:t>
             </a:r>
             <a:r>
               <a:rPr lang="en-US" altLang="ja-JP" sz="2000" dirty="0">
@@ -7348,7 +7348,7 @@
                 </a:solidFill>
                 <a:latin typeface="+mn-ea"/>
               </a:rPr>
-              <a:t> 3 </a:t>
+              <a:t> 8 </a:t>
             </a:r>
             <a:r>
               <a:rPr lang="ja-JP" altLang="en-US" sz="2000" dirty="0">
@@ -7366,7 +7366,7 @@
                 </a:solidFill>
                 <a:latin typeface="+mn-ea"/>
               </a:rPr>
-              <a:t>  [1 2 4 5 8]</a:t>
+              <a:t>  [1 2 3 4 5]</a:t>
             </a:r>
           </a:p>
           <a:p>
@@ -7383,7 +7383,7 @@
               <a:rPr lang="en-US" altLang="ja-JP" sz="2000" dirty="0">
                 <a:ea typeface="ＭＳ ゴシック" panose="020B0609070205080204" pitchFamily="49" charset="-128"/>
               </a:rPr>
-              <a:t>for (auto it : li ) {  </a:t>
+              <a:t>for (auto d : li ) {  </a:t>
             </a:r>
           </a:p>
           <a:p>
@@ -7430,7 +7430,7 @@
                 </a:solidFill>
                 <a:ea typeface="ＭＳ ゴシック" panose="020B0609070205080204" pitchFamily="49" charset="-128"/>
               </a:rPr>
-              <a:t> it </a:t>
+              <a:t> d </a:t>
             </a:r>
             <a:r>
               <a:rPr lang="en-US" altLang="ja-JP" sz="2000" dirty="0">
@@ -8345,7 +8345,7 @@
                 </a:solidFill>
                 <a:latin typeface="+mn-ea"/>
               </a:rPr>
-              <a:t>[8 5 4 2 1]</a:t>
+              <a:t>[5 4 3 2 1]</a:t>
             </a:r>
           </a:p>
           <a:p>
